--- a/Kursa_sakums_beigas.pptx
+++ b/Kursa_sakums_beigas.pptx
@@ -273,7 +273,7 @@
 <file path=ppt/revisionInfo.xml><?xml version="1.0" encoding="utf-8"?>
 <p1510:revInfo xmlns:a="http://schemas.openxmlformats.org/drawingml/2006/main" xmlns:r="http://schemas.openxmlformats.org/officeDocument/2006/relationships" xmlns:p1510="http://schemas.microsoft.com/office/powerpoint/2015/10/main">
   <p1510:revLst>
-    <p1510:client id="{2A17F2C2-7798-033E-0107-98A202D3A727}" v="22" dt="2025-06-04T05:43:30.507"/>
+    <p1510:client id="{2A17F2C2-7798-033E-0107-98A202D3A727}" v="28" dt="2025-06-04T05:46:06.757"/>
   </p1510:revLst>
 </p1510:revInfo>
 </file>
@@ -11597,7 +11597,7 @@
             </a:r>
             <a:r>
               <a:rPr lang="en-US" dirty="0" err="1"/>
-              <a:t>Saulepurens</a:t>
+              <a:t>Saulespurēns</a:t>
             </a:r>
             <a:r>
               <a:rPr lang="en-US" dirty="0"/>
